--- a/fifth_sem/IGI/Презентации/1_4_Стили.pptx
+++ b/fifth_sem/IGI/Презентации/1_4_Стили.pptx
@@ -132,7 +132,7 @@
   </p:defaultTextStyle>
   <p:extLst>
     <p:ext uri="{EFAFB233-063F-42B5-8137-9DF3F51BA10A}">
-      <p15:sldGuideLst xmlns:p15="http://schemas.microsoft.com/office/powerpoint/2012/main">
+      <p15:sldGuideLst xmlns:p15="http://schemas.microsoft.com/office/powerpoint/2012/main" xmlns="">
         <p15:guide id="1" orient="horz" pos="2160" userDrawn="1">
           <p15:clr>
             <a:srgbClr val="A4A3A4"/>
@@ -232,7 +232,7 @@
             <a:fld id="{FBA97EDC-20BD-46AF-901F-12B5C49A6870}" type="datetimeFigureOut">
               <a:rPr lang="ru-RU" smtClean="0"/>
               <a:pPr/>
-              <a:t>18.02.2021</a:t>
+              <a:t>07.10.2021</a:t>
             </a:fld>
             <a:endParaRPr lang="ru-RU"/>
           </a:p>
@@ -640,7 +640,7 @@
             <a:fld id="{DD9AFCED-8E91-4CD6-876B-B832A6D94683}" type="datetimeFigureOut">
               <a:rPr lang="ru-RU" smtClean="0"/>
               <a:pPr/>
-              <a:t>18.02.2021</a:t>
+              <a:t>07.10.2021</a:t>
             </a:fld>
             <a:endParaRPr lang="ru-RU"/>
           </a:p>
@@ -819,7 +819,7 @@
             <a:fld id="{DD9AFCED-8E91-4CD6-876B-B832A6D94683}" type="datetimeFigureOut">
               <a:rPr lang="ru-RU" smtClean="0"/>
               <a:pPr/>
-              <a:t>18.02.2021</a:t>
+              <a:t>07.10.2021</a:t>
             </a:fld>
             <a:endParaRPr lang="ru-RU"/>
           </a:p>
@@ -1001,7 +1001,7 @@
             <a:fld id="{DD9AFCED-8E91-4CD6-876B-B832A6D94683}" type="datetimeFigureOut">
               <a:rPr lang="ru-RU" smtClean="0"/>
               <a:pPr/>
-              <a:t>18.02.2021</a:t>
+              <a:t>07.10.2021</a:t>
             </a:fld>
             <a:endParaRPr lang="ru-RU"/>
           </a:p>
@@ -1268,7 +1268,7 @@
           <a:p>
             <a:fld id="{481BAFA9-6AAB-4E9F-8E50-97F16053511C}" type="datetimeFigureOut">
               <a:rPr lang="ru-RU" smtClean="0"/>
-              <a:t>18.02.2021</a:t>
+              <a:t>07.10.2021</a:t>
             </a:fld>
             <a:endParaRPr lang="ru-RU"/>
           </a:p>
@@ -1493,7 +1493,7 @@
           <a:p>
             <a:fld id="{481BAFA9-6AAB-4E9F-8E50-97F16053511C}" type="datetimeFigureOut">
               <a:rPr lang="ru-RU" smtClean="0"/>
-              <a:t>18.02.2021</a:t>
+              <a:t>07.10.2021</a:t>
             </a:fld>
             <a:endParaRPr lang="ru-RU"/>
           </a:p>
@@ -1741,7 +1741,7 @@
             <a:fld id="{DD9AFCED-8E91-4CD6-876B-B832A6D94683}" type="datetimeFigureOut">
               <a:rPr lang="ru-RU" smtClean="0"/>
               <a:pPr/>
-              <a:t>18.02.2021</a:t>
+              <a:t>07.10.2021</a:t>
             </a:fld>
             <a:endParaRPr lang="ru-RU"/>
           </a:p>
@@ -1938,7 +1938,7 @@
             <a:fld id="{DD9AFCED-8E91-4CD6-876B-B832A6D94683}" type="datetimeFigureOut">
               <a:rPr lang="ru-RU" smtClean="0"/>
               <a:pPr/>
-              <a:t>18.02.2021</a:t>
+              <a:t>07.10.2021</a:t>
             </a:fld>
             <a:endParaRPr lang="ru-RU"/>
           </a:p>
@@ -2221,7 +2221,7 @@
             <a:fld id="{DD9AFCED-8E91-4CD6-876B-B832A6D94683}" type="datetimeFigureOut">
               <a:rPr lang="ru-RU" smtClean="0"/>
               <a:pPr/>
-              <a:t>18.02.2021</a:t>
+              <a:t>07.10.2021</a:t>
             </a:fld>
             <a:endParaRPr lang="ru-RU"/>
           </a:p>
@@ -2485,7 +2485,7 @@
             <a:fld id="{DD9AFCED-8E91-4CD6-876B-B832A6D94683}" type="datetimeFigureOut">
               <a:rPr lang="ru-RU" smtClean="0"/>
               <a:pPr/>
-              <a:t>18.02.2021</a:t>
+              <a:t>07.10.2021</a:t>
             </a:fld>
             <a:endParaRPr lang="ru-RU"/>
           </a:p>
@@ -2675,7 +2675,7 @@
             <a:fld id="{DD9AFCED-8E91-4CD6-876B-B832A6D94683}" type="datetimeFigureOut">
               <a:rPr lang="ru-RU" smtClean="0"/>
               <a:pPr/>
-              <a:t>18.02.2021</a:t>
+              <a:t>07.10.2021</a:t>
             </a:fld>
             <a:endParaRPr lang="ru-RU"/>
           </a:p>
@@ -3074,7 +3074,7 @@
             <a:fld id="{DD9AFCED-8E91-4CD6-876B-B832A6D94683}" type="datetimeFigureOut">
               <a:rPr lang="ru-RU" smtClean="0"/>
               <a:pPr/>
-              <a:t>18.02.2021</a:t>
+              <a:t>07.10.2021</a:t>
             </a:fld>
             <a:endParaRPr lang="ru-RU"/>
           </a:p>
@@ -3194,7 +3194,7 @@
             <a:fld id="{DD9AFCED-8E91-4CD6-876B-B832A6D94683}" type="datetimeFigureOut">
               <a:rPr lang="ru-RU" smtClean="0"/>
               <a:pPr/>
-              <a:t>18.02.2021</a:t>
+              <a:t>07.10.2021</a:t>
             </a:fld>
             <a:endParaRPr lang="ru-RU"/>
           </a:p>
@@ -3291,7 +3291,7 @@
             <a:fld id="{DD9AFCED-8E91-4CD6-876B-B832A6D94683}" type="datetimeFigureOut">
               <a:rPr lang="ru-RU" smtClean="0"/>
               <a:pPr/>
-              <a:t>18.02.2021</a:t>
+              <a:t>07.10.2021</a:t>
             </a:fld>
             <a:endParaRPr lang="ru-RU"/>
           </a:p>
@@ -3570,7 +3570,7 @@
             <a:fld id="{DD9AFCED-8E91-4CD6-876B-B832A6D94683}" type="datetimeFigureOut">
               <a:rPr lang="ru-RU" smtClean="0"/>
               <a:pPr/>
-              <a:t>18.02.2021</a:t>
+              <a:t>07.10.2021</a:t>
             </a:fld>
             <a:endParaRPr lang="ru-RU"/>
           </a:p>
@@ -3829,7 +3829,7 @@
             <a:fld id="{DD9AFCED-8E91-4CD6-876B-B832A6D94683}" type="datetimeFigureOut">
               <a:rPr lang="ru-RU" smtClean="0"/>
               <a:pPr/>
-              <a:t>18.02.2021</a:t>
+              <a:t>07.10.2021</a:t>
             </a:fld>
             <a:endParaRPr lang="ru-RU"/>
           </a:p>
@@ -4001,7 +4001,7 @@
             <a:fld id="{DD9AFCED-8E91-4CD6-876B-B832A6D94683}" type="datetimeFigureOut">
               <a:rPr lang="ru-RU" smtClean="0"/>
               <a:pPr/>
-              <a:t>18.02.2021</a:t>
+              <a:t>07.10.2021</a:t>
             </a:fld>
             <a:endParaRPr lang="ru-RU"/>
           </a:p>
@@ -4183,7 +4183,7 @@
             <a:fld id="{DD9AFCED-8E91-4CD6-876B-B832A6D94683}" type="datetimeFigureOut">
               <a:rPr lang="ru-RU" smtClean="0"/>
               <a:pPr/>
-              <a:t>18.02.2021</a:t>
+              <a:t>07.10.2021</a:t>
             </a:fld>
             <a:endParaRPr lang="ru-RU"/>
           </a:p>
@@ -4450,7 +4450,7 @@
           <a:p>
             <a:fld id="{481BAFA9-6AAB-4E9F-8E50-97F16053511C}" type="datetimeFigureOut">
               <a:rPr lang="ru-RU" smtClean="0"/>
-              <a:t>18.02.2021</a:t>
+              <a:t>07.10.2021</a:t>
             </a:fld>
             <a:endParaRPr lang="ru-RU"/>
           </a:p>
@@ -4725,7 +4725,7 @@
             <a:fld id="{DD9AFCED-8E91-4CD6-876B-B832A6D94683}" type="datetimeFigureOut">
               <a:rPr lang="ru-RU" smtClean="0"/>
               <a:pPr/>
-              <a:t>18.02.2021</a:t>
+              <a:t>07.10.2021</a:t>
             </a:fld>
             <a:endParaRPr lang="ru-RU"/>
           </a:p>
@@ -4958,7 +4958,7 @@
           <a:p>
             <a:fld id="{481BAFA9-6AAB-4E9F-8E50-97F16053511C}" type="datetimeFigureOut">
               <a:rPr lang="ru-RU" smtClean="0"/>
-              <a:t>18.02.2021</a:t>
+              <a:t>07.10.2021</a:t>
             </a:fld>
             <a:endParaRPr lang="ru-RU"/>
           </a:p>
@@ -5530,7 +5530,7 @@
             <a:fld id="{DD9AFCED-8E91-4CD6-876B-B832A6D94683}" type="datetimeFigureOut">
               <a:rPr lang="ru-RU" smtClean="0"/>
               <a:pPr/>
-              <a:t>18.02.2021</a:t>
+              <a:t>07.10.2021</a:t>
             </a:fld>
             <a:endParaRPr lang="ru-RU"/>
           </a:p>
@@ -5832,7 +5832,7 @@
             <a:fld id="{DD9AFCED-8E91-4CD6-876B-B832A6D94683}" type="datetimeFigureOut">
               <a:rPr lang="ru-RU" smtClean="0"/>
               <a:pPr/>
-              <a:t>18.02.2021</a:t>
+              <a:t>07.10.2021</a:t>
             </a:fld>
             <a:endParaRPr lang="ru-RU"/>
           </a:p>
@@ -6273,7 +6273,7 @@
             <a:fld id="{DD9AFCED-8E91-4CD6-876B-B832A6D94683}" type="datetimeFigureOut">
               <a:rPr lang="ru-RU" smtClean="0"/>
               <a:pPr/>
-              <a:t>18.02.2021</a:t>
+              <a:t>07.10.2021</a:t>
             </a:fld>
             <a:endParaRPr lang="ru-RU"/>
           </a:p>
@@ -6405,7 +6405,7 @@
             <a:fld id="{DD9AFCED-8E91-4CD6-876B-B832A6D94683}" type="datetimeFigureOut">
               <a:rPr lang="ru-RU" smtClean="0"/>
               <a:pPr/>
-              <a:t>18.02.2021</a:t>
+              <a:t>07.10.2021</a:t>
             </a:fld>
             <a:endParaRPr lang="ru-RU"/>
           </a:p>
@@ -6514,7 +6514,7 @@
             <a:fld id="{DD9AFCED-8E91-4CD6-876B-B832A6D94683}" type="datetimeFigureOut">
               <a:rPr lang="ru-RU" smtClean="0"/>
               <a:pPr/>
-              <a:t>18.02.2021</a:t>
+              <a:t>07.10.2021</a:t>
             </a:fld>
             <a:endParaRPr lang="ru-RU"/>
           </a:p>
@@ -6805,7 +6805,7 @@
             <a:fld id="{DD9AFCED-8E91-4CD6-876B-B832A6D94683}" type="datetimeFigureOut">
               <a:rPr lang="ru-RU" smtClean="0"/>
               <a:pPr/>
-              <a:t>18.02.2021</a:t>
+              <a:t>07.10.2021</a:t>
             </a:fld>
             <a:endParaRPr lang="ru-RU"/>
           </a:p>
@@ -7076,7 +7076,7 @@
             <a:fld id="{DD9AFCED-8E91-4CD6-876B-B832A6D94683}" type="datetimeFigureOut">
               <a:rPr lang="ru-RU" smtClean="0"/>
               <a:pPr/>
-              <a:t>18.02.2021</a:t>
+              <a:t>07.10.2021</a:t>
             </a:fld>
             <a:endParaRPr lang="ru-RU"/>
           </a:p>
@@ -7318,7 +7318,7 @@
             <a:fld id="{DD9AFCED-8E91-4CD6-876B-B832A6D94683}" type="datetimeFigureOut">
               <a:rPr lang="ru-RU" smtClean="0"/>
               <a:pPr/>
-              <a:t>18.02.2021</a:t>
+              <a:t>07.10.2021</a:t>
             </a:fld>
             <a:endParaRPr lang="ru-RU"/>
           </a:p>
@@ -7494,7 +7494,7 @@
             <a:fld id="{DD9AFCED-8E91-4CD6-876B-B832A6D94683}" type="datetimeFigureOut">
               <a:rPr lang="ru-RU" smtClean="0"/>
               <a:pPr/>
-              <a:t>18.02.2021</a:t>
+              <a:t>07.10.2021</a:t>
             </a:fld>
             <a:endParaRPr lang="ru-RU"/>
           </a:p>
@@ -7688,7 +7688,7 @@
             <a:fld id="{DD9AFCED-8E91-4CD6-876B-B832A6D94683}" type="datetimeFigureOut">
               <a:rPr lang="ru-RU" smtClean="0"/>
               <a:pPr/>
-              <a:t>18.02.2021</a:t>
+              <a:t>07.10.2021</a:t>
             </a:fld>
             <a:endParaRPr lang="ru-RU"/>
           </a:p>
@@ -7858,7 +7858,7 @@
             <a:fld id="{DD9AFCED-8E91-4CD6-876B-B832A6D94683}" type="datetimeFigureOut">
               <a:rPr lang="ru-RU" smtClean="0"/>
               <a:pPr/>
-              <a:t>18.02.2021</a:t>
+              <a:t>07.10.2021</a:t>
             </a:fld>
             <a:endParaRPr lang="ru-RU"/>
           </a:p>
@@ -8245,7 +8245,7 @@
             <a:fld id="{DD9AFCED-8E91-4CD6-876B-B832A6D94683}" type="datetimeFigureOut">
               <a:rPr lang="ru-RU" smtClean="0"/>
               <a:pPr/>
-              <a:t>18.02.2021</a:t>
+              <a:t>07.10.2021</a:t>
             </a:fld>
             <a:endParaRPr lang="ru-RU"/>
           </a:p>
@@ -8365,7 +8365,7 @@
             <a:fld id="{DD9AFCED-8E91-4CD6-876B-B832A6D94683}" type="datetimeFigureOut">
               <a:rPr lang="ru-RU" smtClean="0"/>
               <a:pPr/>
-              <a:t>18.02.2021</a:t>
+              <a:t>07.10.2021</a:t>
             </a:fld>
             <a:endParaRPr lang="ru-RU"/>
           </a:p>
@@ -8462,7 +8462,7 @@
             <a:fld id="{DD9AFCED-8E91-4CD6-876B-B832A6D94683}" type="datetimeFigureOut">
               <a:rPr lang="ru-RU" smtClean="0"/>
               <a:pPr/>
-              <a:t>18.02.2021</a:t>
+              <a:t>07.10.2021</a:t>
             </a:fld>
             <a:endParaRPr lang="ru-RU"/>
           </a:p>
@@ -8741,7 +8741,7 @@
             <a:fld id="{DD9AFCED-8E91-4CD6-876B-B832A6D94683}" type="datetimeFigureOut">
               <a:rPr lang="ru-RU" smtClean="0"/>
               <a:pPr/>
-              <a:t>18.02.2021</a:t>
+              <a:t>07.10.2021</a:t>
             </a:fld>
             <a:endParaRPr lang="ru-RU"/>
           </a:p>
@@ -9000,7 +9000,7 @@
             <a:fld id="{DD9AFCED-8E91-4CD6-876B-B832A6D94683}" type="datetimeFigureOut">
               <a:rPr lang="ru-RU" smtClean="0"/>
               <a:pPr/>
-              <a:t>18.02.2021</a:t>
+              <a:t>07.10.2021</a:t>
             </a:fld>
             <a:endParaRPr lang="ru-RU"/>
           </a:p>
@@ -9215,7 +9215,7 @@
             <a:fld id="{DD9AFCED-8E91-4CD6-876B-B832A6D94683}" type="datetimeFigureOut">
               <a:rPr lang="ru-RU" smtClean="0"/>
               <a:pPr/>
-              <a:t>18.02.2021</a:t>
+              <a:t>07.10.2021</a:t>
             </a:fld>
             <a:endParaRPr lang="ru-RU"/>
           </a:p>
@@ -10083,7 +10083,7 @@
             <a:fld id="{DD9AFCED-8E91-4CD6-876B-B832A6D94683}" type="datetimeFigureOut">
               <a:rPr lang="ru-RU" smtClean="0"/>
               <a:pPr/>
-              <a:t>18.02.2021</a:t>
+              <a:t>07.10.2021</a:t>
             </a:fld>
             <a:endParaRPr lang="ru-RU"/>
           </a:p>
@@ -10874,7 +10874,7 @@
           <a:graphicData uri="http://schemas.openxmlformats.org/presentationml/2006/ole">
             <mc:AlternateContent xmlns:mc="http://schemas.openxmlformats.org/markup-compatibility/2006">
               <mc:Choice xmlns:v="urn:schemas-microsoft-com:vml" Requires="v">
-                <p:oleObj spid="_x0000_s1026" name="Image" r:id="rId15" imgW="10006349" imgH="1269841" progId="Photoshop.Image.6">
+                <p:oleObj spid="_x0000_s1028" name="Image" r:id="rId15" imgW="10006349" imgH="1269841" progId="Photoshop.Image.6">
                   <p:embed/>
                 </p:oleObj>
               </mc:Choice>
@@ -11113,7 +11113,7 @@
             <a:fld id="{DD9AFCED-8E91-4CD6-876B-B832A6D94683}" type="datetimeFigureOut">
               <a:rPr lang="ru-RU" smtClean="0"/>
               <a:pPr/>
-              <a:t>18.02.2021</a:t>
+              <a:t>07.10.2021</a:t>
             </a:fld>
             <a:endParaRPr lang="ru-RU"/>
           </a:p>
@@ -11946,13 +11946,7 @@
               <a:rPr lang="en-US" sz="2800" dirty="0">
                 <a:cs typeface="Times New Roman" panose="02020603050405020304" pitchFamily="18" charset="0"/>
               </a:rPr>
-              <a:t>&lt;div  id</a:t>
-            </a:r>
-            <a:r>
-              <a:rPr lang="en-US" sz="2800" dirty="0">
-                <a:cs typeface="Times New Roman" panose="02020603050405020304" pitchFamily="18" charset="0"/>
-              </a:rPr>
-              <a:t>=“</a:t>
+              <a:t>&lt;div  id=“</a:t>
             </a:r>
             <a:r>
               <a:rPr lang="en-US" sz="2800" dirty="0" err="1">
@@ -11990,9 +11984,6 @@
               </a:rPr>
               <a:t>&lt;/div&gt;</a:t>
             </a:r>
-            <a:endParaRPr lang="en-US" sz="2800" dirty="0">
-              <a:cs typeface="Times New Roman" panose="02020603050405020304" pitchFamily="18" charset="0"/>
-            </a:endParaRPr>
           </a:p>
           <a:p>
             <a:pPr algn="just"/>
@@ -12337,13 +12328,7 @@
               <a:rPr lang="en-US" sz="2800" b="1" dirty="0">
                 <a:cs typeface="Times New Roman" panose="02020603050405020304" pitchFamily="18" charset="0"/>
               </a:rPr>
-              <a:t>form p</a:t>
-            </a:r>
-            <a:r>
-              <a:rPr lang="en-US" sz="2800" b="1" dirty="0">
-                <a:cs typeface="Times New Roman" panose="02020603050405020304" pitchFamily="18" charset="0"/>
-              </a:rPr>
-              <a:t>, li </a:t>
+              <a:t>form p, li </a:t>
             </a:r>
             <a:r>
               <a:rPr lang="en-US" sz="2800" dirty="0">
@@ -12562,18 +12547,7 @@
                   <a:srgbClr val="FFFFFF"/>
                 </a:highlight>
               </a:rPr>
-              <a:t>#</a:t>
-            </a:r>
-            <a:r>
-              <a:rPr lang="en-US" sz="2800" dirty="0">
-                <a:solidFill>
-                  <a:srgbClr val="800000"/>
-                </a:solidFill>
-                <a:highlight>
-                  <a:srgbClr val="FFFFFF"/>
-                </a:highlight>
-              </a:rPr>
-              <a:t>div1</a:t>
+              <a:t>#div1</a:t>
             </a:r>
             <a:r>
               <a:rPr lang="en-US" sz="2800" dirty="0">
@@ -17294,11 +17268,18 @@
               <a:buAutoNum type="arabicPeriod"/>
             </a:pPr>
             <a:r>
+              <a:rPr lang="en-US" dirty="0" smtClean="0">
+                <a:cs typeface="Times New Roman" panose="02020603050405020304" pitchFamily="18" charset="0"/>
+                <a:hlinkClick r:id="rId2"/>
+              </a:rPr>
+              <a:t>http</a:t>
+            </a:r>
+            <a:r>
               <a:rPr lang="en-US" dirty="0">
                 <a:cs typeface="Times New Roman" panose="02020603050405020304" pitchFamily="18" charset="0"/>
                 <a:hlinkClick r:id="rId2"/>
               </a:rPr>
-              <a:t>http://www.w3schools.com</a:t>
+              <a:t>://www.w3schools.com</a:t>
             </a:r>
             <a:r>
               <a:rPr lang="en-US" dirty="0" smtClean="0">
@@ -17478,7 +17459,6 @@
               <a:rPr lang="ru-RU" sz="3200" dirty="0"/>
               <a:t>Селекторы</a:t>
             </a:r>
-            <a:endParaRPr lang="ru-RU" sz="3200" dirty="0"/>
           </a:p>
         </p:txBody>
       </p:sp>
@@ -18647,7 +18627,7 @@
     </a:clrScheme>
     <a:fontScheme name="Стандартная">
       <a:majorFont>
-        <a:latin typeface="Calibri Light" panose="020F0302020204030204"/>
+        <a:latin typeface="Calibri Light"/>
         <a:ea typeface=""/>
         <a:cs typeface=""/>
         <a:font script="Jpan" typeface="ＭＳ Ｐゴシック"/>
@@ -18682,7 +18662,7 @@
         <a:font script="Geor" typeface="Sylfaen"/>
       </a:majorFont>
       <a:minorFont>
-        <a:latin typeface="Calibri" panose="020F0502020204030204"/>
+        <a:latin typeface="Calibri"/>
         <a:ea typeface=""/>
         <a:cs typeface=""/>
         <a:font script="Jpan" typeface="ＭＳ Ｐゴシック"/>
@@ -18859,7 +18839,7 @@
   <a:extraClrSchemeLst/>
   <a:extLst>
     <a:ext uri="{05A4C25C-085E-4340-85A3-A5531E510DB2}">
-      <thm15:themeFamily xmlns:thm15="http://schemas.microsoft.com/office/thememl/2012/main" name="Тема3" id="{F9F222B7-B85A-43FD-938E-5114CCD49692}" vid="{2E689C93-8D74-498C-BB7C-89E99585D9E4}"/>
+      <thm15:themeFamily xmlns:thm15="http://schemas.microsoft.com/office/thememl/2012/main" xmlns="" name="Тема3" id="{F9F222B7-B85A-43FD-938E-5114CCD49692}" vid="{2E689C93-8D74-498C-BB7C-89E99585D9E4}"/>
     </a:ext>
   </a:extLst>
 </a:theme>
@@ -18908,7 +18888,7 @@
     </a:clrScheme>
     <a:fontScheme name="Стандартная">
       <a:majorFont>
-        <a:latin typeface="Calibri Light" panose="020F0302020204030204"/>
+        <a:latin typeface="Calibri Light"/>
         <a:ea typeface=""/>
         <a:cs typeface=""/>
         <a:font script="Jpan" typeface="ＭＳ Ｐゴシック"/>
@@ -18943,7 +18923,7 @@
         <a:font script="Geor" typeface="Sylfaen"/>
       </a:majorFont>
       <a:minorFont>
-        <a:latin typeface="Calibri" panose="020F0502020204030204"/>
+        <a:latin typeface="Calibri"/>
         <a:ea typeface=""/>
         <a:cs typeface=""/>
         <a:font script="Jpan" typeface="ＭＳ Ｐゴシック"/>
@@ -19120,7 +19100,7 @@
   <a:extraClrSchemeLst/>
   <a:extLst>
     <a:ext uri="{05A4C25C-085E-4340-85A3-A5531E510DB2}">
-      <thm15:themeFamily xmlns:thm15="http://schemas.microsoft.com/office/thememl/2012/main" name="Office Theme" id="{62F939B6-93AF-4DB8-9C6B-D6C7DFDC589F}" vid="{4A3C46E8-61CC-4603-A589-7422A47A8E4A}"/>
+      <thm15:themeFamily xmlns:thm15="http://schemas.microsoft.com/office/thememl/2012/main" xmlns="" name="Office Theme" id="{62F939B6-93AF-4DB8-9C6B-D6C7DFDC589F}" vid="{4A3C46E8-61CC-4603-A589-7422A47A8E4A}"/>
     </a:ext>
   </a:extLst>
 </a:theme>
@@ -19169,7 +19149,7 @@
     </a:clrScheme>
     <a:fontScheme name="Стандартная">
       <a:majorFont>
-        <a:latin typeface="Calibri Light" panose="020F0302020204030204"/>
+        <a:latin typeface="Calibri Light"/>
         <a:ea typeface=""/>
         <a:cs typeface=""/>
         <a:font script="Jpan" typeface="ＭＳ Ｐゴシック"/>
@@ -19204,7 +19184,7 @@
         <a:font script="Geor" typeface="Sylfaen"/>
       </a:majorFont>
       <a:minorFont>
-        <a:latin typeface="Calibri" panose="020F0502020204030204"/>
+        <a:latin typeface="Calibri"/>
         <a:ea typeface=""/>
         <a:cs typeface=""/>
         <a:font script="Jpan" typeface="ＭＳ Ｐゴシック"/>
@@ -19381,7 +19361,7 @@
   <a:extraClrSchemeLst/>
   <a:extLst>
     <a:ext uri="{05A4C25C-085E-4340-85A3-A5531E510DB2}">
-      <thm15:themeFamily xmlns:thm15="http://schemas.microsoft.com/office/thememl/2012/main" name="Тема3" id="{174531A5-3A5C-43AC-A7A3-10EDDC1C7172}" vid="{4790435A-1303-4D5A-B269-A59CE9BDDC7D}"/>
+      <thm15:themeFamily xmlns:thm15="http://schemas.microsoft.com/office/thememl/2012/main" xmlns="" name="Тема3" id="{174531A5-3A5C-43AC-A7A3-10EDDC1C7172}" vid="{4790435A-1303-4D5A-B269-A59CE9BDDC7D}"/>
     </a:ext>
   </a:extLst>
 </a:theme>
@@ -19430,7 +19410,7 @@
     </a:clrScheme>
     <a:fontScheme name="Стандартная">
       <a:majorFont>
-        <a:latin typeface="Calibri Light" panose="020F0302020204030204"/>
+        <a:latin typeface="Calibri Light"/>
         <a:ea typeface=""/>
         <a:cs typeface=""/>
         <a:font script="Jpan" typeface="ＭＳ Ｐゴシック"/>
@@ -19465,7 +19445,7 @@
         <a:font script="Geor" typeface="Sylfaen"/>
       </a:majorFont>
       <a:minorFont>
-        <a:latin typeface="Calibri" panose="020F0502020204030204"/>
+        <a:latin typeface="Calibri"/>
         <a:ea typeface=""/>
         <a:cs typeface=""/>
         <a:font script="Jpan" typeface="ＭＳ Ｐゴシック"/>
@@ -19642,7 +19622,7 @@
   <a:extraClrSchemeLst/>
   <a:extLst>
     <a:ext uri="{05A4C25C-085E-4340-85A3-A5531E510DB2}">
-      <thm15:themeFamily xmlns:thm15="http://schemas.microsoft.com/office/thememl/2012/main" name="Office Theme" id="{62F939B6-93AF-4DB8-9C6B-D6C7DFDC589F}" vid="{4A3C46E8-61CC-4603-A589-7422A47A8E4A}"/>
+      <thm15:themeFamily xmlns:thm15="http://schemas.microsoft.com/office/thememl/2012/main" xmlns="" name="Office Theme" id="{62F939B6-93AF-4DB8-9C6B-D6C7DFDC589F}" vid="{4A3C46E8-61CC-4603-A589-7422A47A8E4A}"/>
     </a:ext>
   </a:extLst>
 </a:theme>
@@ -19996,7 +19976,7 @@
   </a:extraClrSchemeLst>
   <a:extLst>
     <a:ext uri="{05A4C25C-085E-4340-85A3-A5531E510DB2}">
-      <thm15:themeFamily xmlns:thm15="http://schemas.microsoft.com/office/thememl/2012/main" name="Theme1" id="{E59C2612-480F-464D-AF90-C08CB7087C91}" vid="{542D0048-C83B-43D5-A291-419DE1D6F54F}"/>
+      <thm15:themeFamily xmlns:thm15="http://schemas.microsoft.com/office/thememl/2012/main" xmlns="" name="Theme1" id="{E59C2612-480F-464D-AF90-C08CB7087C91}" vid="{542D0048-C83B-43D5-A291-419DE1D6F54F}"/>
     </a:ext>
   </a:extLst>
 </a:theme>
